--- a/list/theory/링크드 리스트 발표_노태윤_이동훈.pptx
+++ b/list/theory/링크드 리스트 발표_노태윤_이동훈.pptx
@@ -34180,8 +34180,23 @@
                 </a:solidFill>
                 <a:effectLst/>
               </a:rPr>
-              <a:t> 사전적 순서로 삽입</a:t>
-            </a:r>
+              <a:t> 사전적 순서로 삽입한다</a:t>
+            </a:r>
+            <a:r>
+              <a:rPr lang="en-US" altLang="ko-KR" sz="1200" kern="0" spc="0" dirty="0">
+                <a:solidFill>
+                  <a:srgbClr val="000000"/>
+                </a:solidFill>
+                <a:effectLst/>
+              </a:rPr>
+              <a:t>.</a:t>
+            </a:r>
+            <a:endParaRPr lang="ko-KR" altLang="en-US" sz="1200" kern="0" spc="0" dirty="0">
+              <a:solidFill>
+                <a:srgbClr val="000000"/>
+              </a:solidFill>
+              <a:effectLst/>
+            </a:endParaRPr>
           </a:p>
           <a:p>
             <a:pPr marL="0" marR="0" indent="0" algn="just" fontAlgn="base" latinLnBrk="1">
@@ -36634,14 +36649,14 @@
           <p:nvPr>
             <p:extLst>
               <p:ext uri="{D42A27DB-BD31-4B8C-83A1-F6EECF244321}">
-                <p14:modId xmlns:p14="http://schemas.microsoft.com/office/powerpoint/2010/main" val="3292058082"/>
+                <p14:modId xmlns:p14="http://schemas.microsoft.com/office/powerpoint/2010/main" val="390151060"/>
               </p:ext>
             </p:extLst>
           </p:nvPr>
         </p:nvGraphicFramePr>
         <p:xfrm>
-          <a:off x="1257561" y="1992761"/>
-          <a:ext cx="5023421" cy="4147757"/>
+          <a:off x="1091629" y="1690294"/>
+          <a:ext cx="5207571" cy="4418401"/>
         </p:xfrm>
         <a:graphic>
           <a:graphicData uri="http://schemas.openxmlformats.org/drawingml/2006/table">
@@ -36650,14 +36665,14 @@
                 <a:tableStyleId>{5C22544A-7EE6-4342-B048-85BDC9FD1C3A}</a:tableStyleId>
               </a:tblPr>
               <a:tblGrid>
-                <a:gridCol w="1189758">
+                <a:gridCol w="1233372">
                   <a:extLst>
                     <a:ext uri="{9D8B030D-6E8A-4147-A177-3AD203B41FA5}">
                       <a16:colId xmlns:a16="http://schemas.microsoft.com/office/drawing/2014/main" val="70192533"/>
                     </a:ext>
                   </a:extLst>
                 </a:gridCol>
-                <a:gridCol w="3833663">
+                <a:gridCol w="3974199">
                   <a:extLst>
                     <a:ext uri="{9D8B030D-6E8A-4147-A177-3AD203B41FA5}">
                       <a16:colId xmlns:a16="http://schemas.microsoft.com/office/drawing/2014/main" val="731404853"/>
@@ -36665,7 +36680,7 @@
                   </a:extLst>
                 </a:gridCol>
               </a:tblGrid>
-              <a:tr h="105024">
+              <a:tr h="264825">
                 <a:tc>
                   <a:txBody>
                     <a:bodyPr/>
@@ -36720,7 +36735,7 @@
                   </a:ext>
                 </a:extLst>
               </a:tr>
-              <a:tr h="278511">
+              <a:tr h="296684">
                 <a:tc rowSpan="3">
                   <a:txBody>
                     <a:bodyPr/>
@@ -36811,7 +36826,7 @@
                   </a:ext>
                 </a:extLst>
               </a:tr>
-              <a:tr h="278511">
+              <a:tr h="296684">
                 <a:tc vMerge="1">
                   <a:txBody>
                     <a:bodyPr/>
@@ -36853,7 +36868,7 @@
                   </a:ext>
                 </a:extLst>
               </a:tr>
-              <a:tr h="278511">
+              <a:tr h="296684">
                 <a:tc vMerge="1">
                   <a:txBody>
                     <a:bodyPr/>
@@ -36907,7 +36922,7 @@
                   </a:ext>
                 </a:extLst>
               </a:tr>
-              <a:tr h="278511">
+              <a:tr h="296684">
                 <a:tc rowSpan="2">
                   <a:txBody>
                     <a:bodyPr/>
@@ -36962,7 +36977,7 @@
                   </a:ext>
                 </a:extLst>
               </a:tr>
-              <a:tr h="278511">
+              <a:tr h="296684">
                 <a:tc vMerge="1">
                   <a:txBody>
                     <a:bodyPr/>
@@ -37004,7 +37019,7 @@
                   </a:ext>
                 </a:extLst>
               </a:tr>
-              <a:tr h="278511">
+              <a:tr h="296684">
                 <a:tc rowSpan="2">
                   <a:txBody>
                     <a:bodyPr/>
@@ -37059,7 +37074,7 @@
                   </a:ext>
                 </a:extLst>
               </a:tr>
-              <a:tr h="278511">
+              <a:tr h="296684">
                 <a:tc vMerge="1">
                   <a:txBody>
                     <a:bodyPr/>
@@ -37101,7 +37116,7 @@
                   </a:ext>
                 </a:extLst>
               </a:tr>
-              <a:tr h="278511">
+              <a:tr h="296684">
                 <a:tc rowSpan="3">
                   <a:txBody>
                     <a:bodyPr/>
@@ -37156,7 +37171,7 @@
                   </a:ext>
                 </a:extLst>
               </a:tr>
-              <a:tr h="278511">
+              <a:tr h="296684">
                 <a:tc vMerge="1">
                   <a:txBody>
                     <a:bodyPr/>
@@ -37204,7 +37219,7 @@
                   </a:ext>
                 </a:extLst>
               </a:tr>
-              <a:tr h="278511">
+              <a:tr h="296684">
                 <a:tc vMerge="1">
                   <a:txBody>
                     <a:bodyPr/>
@@ -37246,7 +37261,7 @@
                   </a:ext>
                 </a:extLst>
               </a:tr>
-              <a:tr h="278511">
+              <a:tr h="296684">
                 <a:tc rowSpan="2">
                   <a:txBody>
                     <a:bodyPr/>
@@ -37301,7 +37316,7 @@
                   </a:ext>
                 </a:extLst>
               </a:tr>
-              <a:tr h="278511">
+              <a:tr h="296684">
                 <a:tc vMerge="1">
                   <a:txBody>
                     <a:bodyPr/>
@@ -37343,7 +37358,7 @@
                   </a:ext>
                 </a:extLst>
               </a:tr>
-              <a:tr h="278511">
+              <a:tr h="296684">
                 <a:tc rowSpan="2">
                   <a:txBody>
                     <a:bodyPr/>
@@ -37398,7 +37413,7 @@
                   </a:ext>
                 </a:extLst>
               </a:tr>
-              <a:tr h="278511">
+              <a:tr h="296684">
                 <a:tc vMerge="1">
                   <a:txBody>
                     <a:bodyPr/>
